--- a/CrackTeeth2020/syntheticCBCT/CrackTeeth2020.pptx
+++ b/CrackTeeth2020/syntheticCBCT/CrackTeeth2020.pptx
@@ -22,6 +22,8 @@
     <p:sldId id="271" r:id="rId16"/>
     <p:sldId id="275" r:id="rId17"/>
     <p:sldId id="276" r:id="rId18"/>
+    <p:sldId id="283" r:id="rId19"/>
+    <p:sldId id="284" r:id="rId20"/>
   </p:sldIdLst>
   <p:sldSz cx="12192000" cy="6858000"/>
   <p:notesSz cx="6858000" cy="9144000"/>
@@ -150,6 +152,8 @@
           <p14:sldIdLst>
             <p14:sldId id="275"/>
             <p14:sldId id="276"/>
+            <p14:sldId id="283"/>
+            <p14:sldId id="284"/>
           </p14:sldIdLst>
         </p14:section>
       </p14:sectionLst>
@@ -312,7 +316,7 @@
           <a:p>
             <a:fld id="{8BFB778E-CE6F-4148-B0CD-FC25B5D17211}" type="datetimeFigureOut">
               <a:rPr lang="en-US" smtClean="0"/>
-              <a:t>2/28/2021</a:t>
+              <a:t>3/4/2021</a:t>
             </a:fld>
             <a:endParaRPr lang="en-US"/>
           </a:p>
@@ -510,7 +514,7 @@
           <a:p>
             <a:fld id="{8BFB778E-CE6F-4148-B0CD-FC25B5D17211}" type="datetimeFigureOut">
               <a:rPr lang="en-US" smtClean="0"/>
-              <a:t>2/28/2021</a:t>
+              <a:t>3/4/2021</a:t>
             </a:fld>
             <a:endParaRPr lang="en-US"/>
           </a:p>
@@ -718,7 +722,7 @@
           <a:p>
             <a:fld id="{8BFB778E-CE6F-4148-B0CD-FC25B5D17211}" type="datetimeFigureOut">
               <a:rPr lang="en-US" smtClean="0"/>
-              <a:t>2/28/2021</a:t>
+              <a:t>3/4/2021</a:t>
             </a:fld>
             <a:endParaRPr lang="en-US"/>
           </a:p>
@@ -916,7 +920,7 @@
           <a:p>
             <a:fld id="{8BFB778E-CE6F-4148-B0CD-FC25B5D17211}" type="datetimeFigureOut">
               <a:rPr lang="en-US" smtClean="0"/>
-              <a:t>2/28/2021</a:t>
+              <a:t>3/4/2021</a:t>
             </a:fld>
             <a:endParaRPr lang="en-US"/>
           </a:p>
@@ -1191,7 +1195,7 @@
           <a:p>
             <a:fld id="{8BFB778E-CE6F-4148-B0CD-FC25B5D17211}" type="datetimeFigureOut">
               <a:rPr lang="en-US" smtClean="0"/>
-              <a:t>2/28/2021</a:t>
+              <a:t>3/4/2021</a:t>
             </a:fld>
             <a:endParaRPr lang="en-US"/>
           </a:p>
@@ -1456,7 +1460,7 @@
           <a:p>
             <a:fld id="{8BFB778E-CE6F-4148-B0CD-FC25B5D17211}" type="datetimeFigureOut">
               <a:rPr lang="en-US" smtClean="0"/>
-              <a:t>2/28/2021</a:t>
+              <a:t>3/4/2021</a:t>
             </a:fld>
             <a:endParaRPr lang="en-US"/>
           </a:p>
@@ -1868,7 +1872,7 @@
           <a:p>
             <a:fld id="{8BFB778E-CE6F-4148-B0CD-FC25B5D17211}" type="datetimeFigureOut">
               <a:rPr lang="en-US" smtClean="0"/>
-              <a:t>2/28/2021</a:t>
+              <a:t>3/4/2021</a:t>
             </a:fld>
             <a:endParaRPr lang="en-US"/>
           </a:p>
@@ -2009,7 +2013,7 @@
           <a:p>
             <a:fld id="{8BFB778E-CE6F-4148-B0CD-FC25B5D17211}" type="datetimeFigureOut">
               <a:rPr lang="en-US" smtClean="0"/>
-              <a:t>2/28/2021</a:t>
+              <a:t>3/4/2021</a:t>
             </a:fld>
             <a:endParaRPr lang="en-US"/>
           </a:p>
@@ -2122,7 +2126,7 @@
           <a:p>
             <a:fld id="{8BFB778E-CE6F-4148-B0CD-FC25B5D17211}" type="datetimeFigureOut">
               <a:rPr lang="en-US" smtClean="0"/>
-              <a:t>2/28/2021</a:t>
+              <a:t>3/4/2021</a:t>
             </a:fld>
             <a:endParaRPr lang="en-US"/>
           </a:p>
@@ -2433,7 +2437,7 @@
           <a:p>
             <a:fld id="{8BFB778E-CE6F-4148-B0CD-FC25B5D17211}" type="datetimeFigureOut">
               <a:rPr lang="en-US" smtClean="0"/>
-              <a:t>2/28/2021</a:t>
+              <a:t>3/4/2021</a:t>
             </a:fld>
             <a:endParaRPr lang="en-US"/>
           </a:p>
@@ -2721,7 +2725,7 @@
           <a:p>
             <a:fld id="{8BFB778E-CE6F-4148-B0CD-FC25B5D17211}" type="datetimeFigureOut">
               <a:rPr lang="en-US" smtClean="0"/>
-              <a:t>2/28/2021</a:t>
+              <a:t>3/4/2021</a:t>
             </a:fld>
             <a:endParaRPr lang="en-US"/>
           </a:p>
@@ -2962,7 +2966,7 @@
           <a:p>
             <a:fld id="{8BFB778E-CE6F-4148-B0CD-FC25B5D17211}" type="datetimeFigureOut">
               <a:rPr lang="en-US" smtClean="0"/>
-              <a:t>2/28/2021</a:t>
+              <a:t>3/4/2021</a:t>
             </a:fld>
             <a:endParaRPr lang="en-US"/>
           </a:p>
@@ -4522,10 +4526,10 @@
       </p:grpSpPr>
       <p:pic>
         <p:nvPicPr>
-          <p:cNvPr id="5" name="Picture 4">
-            <a:extLst>
-              <a:ext uri="{FF2B5EF4-FFF2-40B4-BE49-F238E27FC236}">
-                <a16:creationId xmlns:a16="http://schemas.microsoft.com/office/drawing/2014/main" id="{2B09A2CD-3A5E-4FF8-B317-35C10FEB6081}"/>
+          <p:cNvPr id="8" name="Picture 7">
+            <a:extLst>
+              <a:ext uri="{FF2B5EF4-FFF2-40B4-BE49-F238E27FC236}">
+                <a16:creationId xmlns:a16="http://schemas.microsoft.com/office/drawing/2014/main" id="{B42F04BD-3C13-40CE-890F-ACA170E3CE5D}"/>
               </a:ext>
             </a:extLst>
           </p:cNvPr>
@@ -4633,8 +4637,8 @@
         </p:nvSpPr>
         <p:spPr>
           <a:xfrm rot="16200000">
-            <a:off x="1902872" y="2807940"/>
-            <a:ext cx="6251510" cy="1363418"/>
+            <a:off x="2180342" y="2227520"/>
+            <a:ext cx="6251510" cy="2524258"/>
           </a:xfrm>
           <a:prstGeom prst="rect">
             <a:avLst/>
@@ -4716,7 +4720,7 @@
         <p:spPr>
           <a:xfrm>
             <a:off x="140308" y="192190"/>
-            <a:ext cx="3854917" cy="2031325"/>
+            <a:ext cx="3854917" cy="2585323"/>
           </a:xfrm>
           <a:prstGeom prst="rect">
             <a:avLst/>
@@ -4764,14 +4768,24 @@
               <a:t> test show significant difference (p=0.0267) between 2 classes! Yay!</a:t>
             </a:r>
           </a:p>
+          <a:p>
+            <a:r>
+              <a:rPr lang="en-US" dirty="0">
+                <a:solidFill>
+                  <a:schemeClr val="accent2"/>
+                </a:solidFill>
+              </a:rPr>
+              <a:t>(run again p value will change but still &lt;0.05)</a:t>
+            </a:r>
+          </a:p>
         </p:txBody>
       </p:sp>
       <p:pic>
         <p:nvPicPr>
-          <p:cNvPr id="5" name="Picture 4">
-            <a:extLst>
-              <a:ext uri="{FF2B5EF4-FFF2-40B4-BE49-F238E27FC236}">
-                <a16:creationId xmlns:a16="http://schemas.microsoft.com/office/drawing/2014/main" id="{746D0711-48BA-4A38-8643-4884200FC8E9}"/>
+          <p:cNvPr id="4" name="Picture 3">
+            <a:extLst>
+              <a:ext uri="{FF2B5EF4-FFF2-40B4-BE49-F238E27FC236}">
+                <a16:creationId xmlns:a16="http://schemas.microsoft.com/office/drawing/2014/main" id="{FD284806-8841-428C-B467-7F506D4E86B3}"/>
               </a:ext>
             </a:extLst>
           </p:cNvPr>
@@ -4794,8 +4808,8 @@
         </p:blipFill>
         <p:spPr>
           <a:xfrm>
-            <a:off x="4096139" y="0"/>
-            <a:ext cx="8095861" cy="6832907"/>
+            <a:off x="4066409" y="0"/>
+            <a:ext cx="8125591" cy="6858000"/>
           </a:xfrm>
           <a:prstGeom prst="rect">
             <a:avLst/>
@@ -4806,6 +4820,266 @@
     <p:extLst>
       <p:ext uri="{BB962C8B-B14F-4D97-AF65-F5344CB8AC3E}">
         <p14:creationId xmlns:p14="http://schemas.microsoft.com/office/powerpoint/2010/main" val="4265787477"/>
+      </p:ext>
+    </p:extLst>
+  </p:cSld>
+  <p:clrMapOvr>
+    <a:masterClrMapping/>
+  </p:clrMapOvr>
+</p:sld>
+</file>
+
+<file path=ppt/slides/slide18.xml><?xml version="1.0" encoding="utf-8"?>
+<p:sld xmlns:a="http://schemas.openxmlformats.org/drawingml/2006/main" xmlns:r="http://schemas.openxmlformats.org/officeDocument/2006/relationships" xmlns:p="http://schemas.openxmlformats.org/presentationml/2006/main">
+  <p:cSld>
+    <p:spTree>
+      <p:nvGrpSpPr>
+        <p:cNvPr id="1" name=""/>
+        <p:cNvGrpSpPr/>
+        <p:nvPr/>
+      </p:nvGrpSpPr>
+      <p:grpSpPr>
+        <a:xfrm>
+          <a:off x="0" y="0"/>
+          <a:ext cx="0" cy="0"/>
+          <a:chOff x="0" y="0"/>
+          <a:chExt cx="0" cy="0"/>
+        </a:xfrm>
+      </p:grpSpPr>
+      <p:sp>
+        <p:nvSpPr>
+          <p:cNvPr id="3" name="TextBox 2">
+            <a:extLst>
+              <a:ext uri="{FF2B5EF4-FFF2-40B4-BE49-F238E27FC236}">
+                <a16:creationId xmlns:a16="http://schemas.microsoft.com/office/drawing/2014/main" id="{0284400C-AE85-418F-BCF5-D8F9EB191661}"/>
+              </a:ext>
+            </a:extLst>
+          </p:cNvPr>
+          <p:cNvSpPr txBox="1"/>
+          <p:nvPr/>
+        </p:nvSpPr>
+        <p:spPr>
+          <a:xfrm>
+            <a:off x="140308" y="192190"/>
+            <a:ext cx="4206610" cy="2031325"/>
+          </a:xfrm>
+          <a:prstGeom prst="rect">
+            <a:avLst/>
+          </a:prstGeom>
+          <a:noFill/>
+        </p:spPr>
+        <p:txBody>
+          <a:bodyPr wrap="square" rtlCol="0">
+            <a:spAutoFit/>
+          </a:bodyPr>
+          <a:lstStyle/>
+          <a:p>
+            <a:r>
+              <a:rPr lang="en-US" dirty="0"/>
+              <a:t>33_DWD_PCAScatPlot</a:t>
+            </a:r>
+          </a:p>
+          <a:p>
+            <a:endParaRPr lang="en-US" dirty="0"/>
+          </a:p>
+          <a:p>
+            <a:r>
+              <a:rPr lang="en-US" dirty="0"/>
+              <a:t>number of features = 100 quantiles</a:t>
+            </a:r>
+          </a:p>
+          <a:p>
+            <a:endParaRPr lang="en-US" dirty="0"/>
+          </a:p>
+          <a:p>
+            <a:r>
+              <a:rPr lang="en-US" dirty="0"/>
+              <a:t>PCA plot with DWD direction</a:t>
+            </a:r>
+          </a:p>
+          <a:p>
+            <a:r>
+              <a:rPr lang="en-US" dirty="0">
+                <a:solidFill>
+                  <a:schemeClr val="accent2"/>
+                </a:solidFill>
+              </a:rPr>
+              <a:t>Some combinations (DWD-PC1 ~ DWD-PC2) seem to separate the classes a little?</a:t>
+            </a:r>
+          </a:p>
+        </p:txBody>
+      </p:sp>
+      <p:pic>
+        <p:nvPicPr>
+          <p:cNvPr id="4" name="Picture 3">
+            <a:extLst>
+              <a:ext uri="{FF2B5EF4-FFF2-40B4-BE49-F238E27FC236}">
+                <a16:creationId xmlns:a16="http://schemas.microsoft.com/office/drawing/2014/main" id="{7D8EED7F-8F25-4254-8687-AA6E9FB8DDF0}"/>
+              </a:ext>
+            </a:extLst>
+          </p:cNvPr>
+          <p:cNvPicPr>
+            <a:picLocks noChangeAspect="1"/>
+          </p:cNvPicPr>
+          <p:nvPr/>
+        </p:nvPicPr>
+        <p:blipFill>
+          <a:blip r:embed="rId2">
+            <a:extLst>
+              <a:ext uri="{28A0092B-C50C-407E-A947-70E740481C1C}">
+                <a14:useLocalDpi xmlns:a14="http://schemas.microsoft.com/office/drawing/2010/main" val="0"/>
+              </a:ext>
+            </a:extLst>
+          </a:blip>
+          <a:stretch>
+            <a:fillRect/>
+          </a:stretch>
+        </p:blipFill>
+        <p:spPr>
+          <a:xfrm>
+            <a:off x="3964223" y="0"/>
+            <a:ext cx="8719644" cy="6858000"/>
+          </a:xfrm>
+          <a:prstGeom prst="rect">
+            <a:avLst/>
+          </a:prstGeom>
+        </p:spPr>
+      </p:pic>
+    </p:spTree>
+    <p:extLst>
+      <p:ext uri="{BB962C8B-B14F-4D97-AF65-F5344CB8AC3E}">
+        <p14:creationId xmlns:p14="http://schemas.microsoft.com/office/powerpoint/2010/main" val="172353228"/>
+      </p:ext>
+    </p:extLst>
+  </p:cSld>
+  <p:clrMapOvr>
+    <a:masterClrMapping/>
+  </p:clrMapOvr>
+</p:sld>
+</file>
+
+<file path=ppt/slides/slide19.xml><?xml version="1.0" encoding="utf-8"?>
+<p:sld xmlns:a="http://schemas.openxmlformats.org/drawingml/2006/main" xmlns:r="http://schemas.openxmlformats.org/officeDocument/2006/relationships" xmlns:p="http://schemas.openxmlformats.org/presentationml/2006/main">
+  <p:cSld>
+    <p:spTree>
+      <p:nvGrpSpPr>
+        <p:cNvPr id="1" name=""/>
+        <p:cNvGrpSpPr/>
+        <p:nvPr/>
+      </p:nvGrpSpPr>
+      <p:grpSpPr>
+        <a:xfrm>
+          <a:off x="0" y="0"/>
+          <a:ext cx="0" cy="0"/>
+          <a:chOff x="0" y="0"/>
+          <a:chExt cx="0" cy="0"/>
+        </a:xfrm>
+      </p:grpSpPr>
+      <p:sp>
+        <p:nvSpPr>
+          <p:cNvPr id="2" name="TextBox 1">
+            <a:extLst>
+              <a:ext uri="{FF2B5EF4-FFF2-40B4-BE49-F238E27FC236}">
+                <a16:creationId xmlns:a16="http://schemas.microsoft.com/office/drawing/2014/main" id="{7228246E-B0BF-4297-A023-BCAFE3AFF2C7}"/>
+              </a:ext>
+            </a:extLst>
+          </p:cNvPr>
+          <p:cNvSpPr txBox="1"/>
+          <p:nvPr/>
+        </p:nvSpPr>
+        <p:spPr>
+          <a:xfrm>
+            <a:off x="140308" y="192190"/>
+            <a:ext cx="3854917" cy="2031325"/>
+          </a:xfrm>
+          <a:prstGeom prst="rect">
+            <a:avLst/>
+          </a:prstGeom>
+          <a:noFill/>
+        </p:spPr>
+        <p:txBody>
+          <a:bodyPr wrap="square" rtlCol="0">
+            <a:spAutoFit/>
+          </a:bodyPr>
+          <a:lstStyle/>
+          <a:p>
+            <a:r>
+              <a:rPr lang="en-US" dirty="0"/>
+              <a:t>34_DiProPerm</a:t>
+            </a:r>
+          </a:p>
+          <a:p>
+            <a:endParaRPr lang="en-US" dirty="0"/>
+          </a:p>
+          <a:p>
+            <a:r>
+              <a:rPr lang="en-US" dirty="0"/>
+              <a:t>number of features = 100 quantiles</a:t>
+            </a:r>
+          </a:p>
+          <a:p>
+            <a:endParaRPr lang="en-US" dirty="0"/>
+          </a:p>
+          <a:p>
+            <a:r>
+              <a:rPr lang="en-US" dirty="0" err="1">
+                <a:solidFill>
+                  <a:schemeClr val="accent2"/>
+                </a:solidFill>
+              </a:rPr>
+              <a:t>DiProPerm</a:t>
+            </a:r>
+            <a:r>
+              <a:rPr lang="en-US" dirty="0">
+                <a:solidFill>
+                  <a:schemeClr val="accent2"/>
+                </a:solidFill>
+              </a:rPr>
+              <a:t> test doesn’t show significant difference (p=0.25) between 2 classes using quantile.</a:t>
+            </a:r>
+          </a:p>
+        </p:txBody>
+      </p:sp>
+      <p:pic>
+        <p:nvPicPr>
+          <p:cNvPr id="9" name="Picture 8">
+            <a:extLst>
+              <a:ext uri="{FF2B5EF4-FFF2-40B4-BE49-F238E27FC236}">
+                <a16:creationId xmlns:a16="http://schemas.microsoft.com/office/drawing/2014/main" id="{F0803E19-D49F-44BF-81DB-5D2A6DFB0A46}"/>
+              </a:ext>
+            </a:extLst>
+          </p:cNvPr>
+          <p:cNvPicPr>
+            <a:picLocks noChangeAspect="1"/>
+          </p:cNvPicPr>
+          <p:nvPr/>
+        </p:nvPicPr>
+        <p:blipFill>
+          <a:blip r:embed="rId2">
+            <a:extLst>
+              <a:ext uri="{28A0092B-C50C-407E-A947-70E740481C1C}">
+                <a14:useLocalDpi xmlns:a14="http://schemas.microsoft.com/office/drawing/2010/main" val="0"/>
+              </a:ext>
+            </a:extLst>
+          </a:blip>
+          <a:stretch>
+            <a:fillRect/>
+          </a:stretch>
+        </p:blipFill>
+        <p:spPr>
+          <a:xfrm>
+            <a:off x="4121239" y="0"/>
+            <a:ext cx="8070761" cy="6811723"/>
+          </a:xfrm>
+          <a:prstGeom prst="rect">
+            <a:avLst/>
+          </a:prstGeom>
+        </p:spPr>
+      </p:pic>
+    </p:spTree>
+    <p:extLst>
+      <p:ext uri="{BB962C8B-B14F-4D97-AF65-F5344CB8AC3E}">
+        <p14:creationId xmlns:p14="http://schemas.microsoft.com/office/powerpoint/2010/main" val="777926882"/>
       </p:ext>
     </p:extLst>
   </p:cSld>
